--- a/gpgpu-ppts/gpgpu.pptx
+++ b/gpgpu-ppts/gpgpu.pptx
@@ -9863,7 +9863,7 @@
         <p:spPr>
           <a:xfrm>
             <a:off x="152400" y="713581"/>
-            <a:ext cx="8553450" cy="6406882"/>
+            <a:ext cx="8839200" cy="6071406"/>
           </a:xfrm>
         </p:spPr>
         <p:txBody>
@@ -9871,22 +9871,22 @@
           <a:lstStyle/>
           <a:p>
             <a:r>
-              <a:rPr lang="en-US" sz="2800" dirty="0" smtClean="0"/>
+              <a:rPr lang="en-US" dirty="0" smtClean="0"/>
               <a:t> Hope you enjoyed the workshop</a:t>
             </a:r>
-            <a:endParaRPr lang="en-US" sz="2800" dirty="0"/>
-          </a:p>
-          <a:p>
-            <a:r>
-              <a:rPr lang="en-US" sz="2800" dirty="0" smtClean="0"/>
+            <a:endParaRPr lang="en-US" dirty="0"/>
+          </a:p>
+          <a:p>
+            <a:r>
+              <a:rPr lang="en-US" dirty="0" smtClean="0"/>
               <a:t> Please send us feedback </a:t>
             </a:r>
             <a:r>
-              <a:rPr lang="mr-IN" sz="2800" dirty="0" smtClean="0"/>
+              <a:rPr lang="mr-IN" dirty="0" smtClean="0"/>
               <a:t>–</a:t>
             </a:r>
             <a:r>
-              <a:rPr lang="en-US" sz="2800" dirty="0" smtClean="0"/>
+              <a:rPr lang="en-US" dirty="0" smtClean="0"/>
               <a:t> What can be done in the future to make the workshop better?</a:t>
             </a:r>
           </a:p>
@@ -9897,7 +9897,7 @@
               </a:buClr>
             </a:pPr>
             <a:r>
-              <a:rPr lang="en-US" sz="2800" dirty="0" smtClean="0">
+              <a:rPr lang="en-US" dirty="0" smtClean="0">
                 <a:solidFill>
                   <a:srgbClr val="000000"/>
                 </a:solidFill>
@@ -9912,7 +9912,7 @@
               </a:buClr>
             </a:pPr>
             <a:r>
-              <a:rPr lang="en-US" sz="2800" dirty="0">
+              <a:rPr lang="en-US" sz="2400" dirty="0">
                 <a:solidFill>
                   <a:srgbClr val="000000"/>
                 </a:solidFill>
@@ -9920,7 +9920,7 @@
               <a:t> </a:t>
             </a:r>
             <a:r>
-              <a:rPr lang="en-US" sz="2800" dirty="0" smtClean="0">
+              <a:rPr lang="en-US" sz="2400" dirty="0" smtClean="0">
                 <a:solidFill>
                   <a:srgbClr val="000000"/>
                 </a:solidFill>
@@ -9935,7 +9935,7 @@
               </a:buClr>
             </a:pPr>
             <a:r>
-              <a:rPr lang="en-US" sz="2800" dirty="0">
+              <a:rPr lang="en-US" sz="2400" dirty="0">
                 <a:solidFill>
                   <a:srgbClr val="000000"/>
                 </a:solidFill>
@@ -9943,7 +9943,7 @@
               <a:t> </a:t>
             </a:r>
             <a:r>
-              <a:rPr lang="en-US" sz="2800" dirty="0" smtClean="0">
+              <a:rPr lang="en-US" sz="2400" dirty="0" smtClean="0">
                 <a:solidFill>
                   <a:srgbClr val="000000"/>
                 </a:solidFill>
@@ -9951,7 +9951,7 @@
               <a:t>Email: </a:t>
             </a:r>
             <a:r>
-              <a:rPr lang="en-US" sz="2800" dirty="0" err="1" smtClean="0">
+              <a:rPr lang="en-US" sz="2400" dirty="0" err="1" smtClean="0">
                 <a:solidFill>
                   <a:srgbClr val="000000"/>
                 </a:solidFill>
@@ -9959,7 +9959,7 @@
               <a:t>ajog@wm.edu</a:t>
             </a:r>
             <a:r>
-              <a:rPr lang="en-US" sz="2800" dirty="0" smtClean="0">
+              <a:rPr lang="en-US" sz="2400" dirty="0" smtClean="0">
                 <a:solidFill>
                   <a:srgbClr val="000000"/>
                 </a:solidFill>
@@ -9967,54 +9967,60 @@
               <a:t>, </a:t>
             </a:r>
             <a:r>
-              <a:rPr lang="en-US" sz="2800" dirty="0" err="1" smtClean="0">
+              <a:rPr lang="en-US" sz="2400" dirty="0" err="1" smtClean="0">
                 <a:solidFill>
                   <a:srgbClr val="000000"/>
                 </a:solidFill>
               </a:rPr>
               <a:t>onur.kayiran@amd.com</a:t>
             </a:r>
-            <a:endParaRPr lang="en-US" sz="2800" dirty="0" smtClean="0"/>
-          </a:p>
-          <a:p>
-            <a:r>
-              <a:rPr lang="en-US" sz="2800" dirty="0" smtClean="0"/>
-              <a:t> </a:t>
-            </a:r>
-            <a:r>
-              <a:rPr lang="en-US" sz="2800" dirty="0" smtClean="0"/>
-              <a:t>We acknowledge </a:t>
-            </a:r>
-            <a:r>
-              <a:rPr lang="en-US" sz="2800" dirty="0" smtClean="0"/>
-              <a:t>David </a:t>
-            </a:r>
-            <a:r>
-              <a:rPr lang="en-US" sz="2800" dirty="0" err="1" smtClean="0"/>
+            <a:endParaRPr lang="en-US" sz="2400" dirty="0" smtClean="0"/>
+          </a:p>
+          <a:p>
+            <a:r>
+              <a:rPr lang="en-US" dirty="0" smtClean="0"/>
+              <a:t> We acknowledge David </a:t>
+            </a:r>
+            <a:r>
+              <a:rPr lang="en-US" dirty="0" err="1" smtClean="0"/>
               <a:t>Kaeli</a:t>
             </a:r>
             <a:r>
-              <a:rPr lang="en-US" sz="2800" dirty="0" smtClean="0"/>
-              <a:t> (Northeastern) for his support and </a:t>
-            </a:r>
-            <a:r>
-              <a:rPr lang="en-US" sz="2800" dirty="0" smtClean="0"/>
-              <a:t>guidance.</a:t>
-            </a:r>
-          </a:p>
-          <a:p>
-            <a:r>
-              <a:rPr lang="en-US" sz="2800" dirty="0" smtClean="0"/>
-              <a:t>Finally, we thank authors for submitting papers to the workshop and making </a:t>
-            </a:r>
-            <a:r>
-              <a:rPr lang="en-US" sz="2800" smtClean="0"/>
-              <a:t>it successful.</a:t>
-            </a:r>
-            <a:endParaRPr lang="en-US" sz="2800" dirty="0"/>
-          </a:p>
-          <a:p>
-            <a:endParaRPr lang="en-US" sz="2800" dirty="0" smtClean="0"/>
+              <a:rPr lang="en-US" dirty="0" smtClean="0"/>
+              <a:t> (Northeastern) for his support and guidance.</a:t>
+            </a:r>
+          </a:p>
+          <a:p>
+            <a:r>
+              <a:rPr lang="en-US" dirty="0" smtClean="0"/>
+              <a:t>We thank </a:t>
+            </a:r>
+            <a:r>
+              <a:rPr lang="en-US" dirty="0" smtClean="0"/>
+              <a:t>authors </a:t>
+            </a:r>
+            <a:r>
+              <a:rPr lang="en-US" dirty="0" smtClean="0"/>
+              <a:t>for </a:t>
+            </a:r>
+            <a:r>
+              <a:rPr lang="en-US" dirty="0" smtClean="0"/>
+              <a:t>submitting papers to the workshop and making it successful</a:t>
+            </a:r>
+            <a:r>
+              <a:rPr lang="en-US" dirty="0" smtClean="0"/>
+              <a:t>.</a:t>
+            </a:r>
+          </a:p>
+          <a:p>
+            <a:r>
+              <a:rPr lang="en-US" dirty="0" smtClean="0"/>
+              <a:t>Finally, we thank all speakers for their wonderful talks.</a:t>
+            </a:r>
+            <a:endParaRPr lang="en-US" dirty="0"/>
+          </a:p>
+          <a:p>
+            <a:endParaRPr lang="en-US" dirty="0" smtClean="0"/>
           </a:p>
         </p:txBody>
       </p:sp>
@@ -10037,7 +10043,7 @@
               <a:rPr lang="en-US" smtClean="0"/>
               <a:t>11</a:t>
             </a:fld>
-            <a:endParaRPr lang="en-US"/>
+            <a:endParaRPr lang="en-US" dirty="0"/>
           </a:p>
         </p:txBody>
       </p:sp>
@@ -10268,6 +10274,55 @@
                       </p:childTnLst>
                     </p:cTn>
                   </p:par>
+                  <p:par>
+                    <p:cTn id="19" fill="hold">
+                      <p:stCondLst>
+                        <p:cond delay="indefinite"/>
+                      </p:stCondLst>
+                      <p:childTnLst>
+                        <p:par>
+                          <p:cTn id="20" fill="hold">
+                            <p:stCondLst>
+                              <p:cond delay="0"/>
+                            </p:stCondLst>
+                            <p:childTnLst>
+                              <p:par>
+                                <p:cTn id="21" presetID="1" presetClass="entr" presetSubtype="0" fill="hold" nodeType="clickEffect">
+                                  <p:stCondLst>
+                                    <p:cond delay="0"/>
+                                  </p:stCondLst>
+                                  <p:childTnLst>
+                                    <p:set>
+                                      <p:cBhvr>
+                                        <p:cTn id="22" dur="1" fill="hold">
+                                          <p:stCondLst>
+                                            <p:cond delay="0"/>
+                                          </p:stCondLst>
+                                        </p:cTn>
+                                        <p:tgtEl>
+                                          <p:spTgt spid="3">
+                                            <p:txEl>
+                                              <p:pRg st="7" end="7"/>
+                                            </p:txEl>
+                                          </p:spTgt>
+                                        </p:tgtEl>
+                                        <p:attrNameLst>
+                                          <p:attrName>style.visibility</p:attrName>
+                                        </p:attrNameLst>
+                                      </p:cBhvr>
+                                      <p:to>
+                                        <p:strVal val="visible"/>
+                                      </p:to>
+                                    </p:set>
+                                  </p:childTnLst>
+                                </p:cTn>
+                              </p:par>
+                            </p:childTnLst>
+                          </p:cTn>
+                        </p:par>
+                      </p:childTnLst>
+                    </p:cTn>
+                  </p:par>
                 </p:childTnLst>
               </p:cTn>
               <p:prevCondLst>
@@ -10985,11 +11040,7 @@
           <a:p>
             <a:r>
               <a:rPr lang="en-US" sz="3200" dirty="0" smtClean="0"/>
-              <a:t> 6 </a:t>
-            </a:r>
-            <a:r>
-              <a:rPr lang="en-US" sz="3200" dirty="0" smtClean="0"/>
-              <a:t>papers </a:t>
+              <a:t> 6 papers </a:t>
             </a:r>
             <a:r>
               <a:rPr lang="en-US" sz="3200" dirty="0"/>
